--- a/aulas/t/old/SCO-T2-S01-S02.pptx
+++ b/aulas/t/old/SCO-T2-S01-S02.pptx
@@ -11285,7 +11285,7 @@
             </a:pPr>
             <a:r>
               <a:rPr lang="pt-PT" sz="2000" i="0" dirty="0"/>
-              <a:t>2 conjuntos (base e standard) de 2 questões (em 4) + 1 questão (em 3 do conjunto Hard)</a:t>
+              <a:t>2 conjuntos (base e standard) de 2 questões (em 5+) + 1 questão (em 3+ do conjunto Hard)</a:t>
             </a:r>
             <a:r>
               <a:rPr lang="pt-PT" sz="2000" b="0" i="0" dirty="0"/>
@@ -11306,12 +11306,25 @@
             </a:r>
             <a:r>
               <a:rPr lang="pt-PT" sz="2000" i="0" dirty="0"/>
-              <a:t>16h de quinta 26 de novembro até às 18h de terça 30 de novembro</a:t>
+              <a:t>18h de quinta 5 de maio </a:t>
             </a:r>
             <a:r>
               <a:rPr lang="pt-PT" sz="2000" b="0" i="0" dirty="0"/>
+              <a:t>até às </a:t>
+            </a:r>
+            <a:r>
+              <a:rPr lang="pt-PT" sz="2000" i="0" dirty="0"/>
+              <a:t>23h59 de sexta, 6 </a:t>
+            </a:r>
+            <a:r>
+              <a:rPr lang="pt-PT" sz="2000" i="0"/>
+              <a:t>de maio</a:t>
+            </a:r>
+            <a:r>
+              <a:rPr lang="pt-PT" sz="2000" b="0" i="0"/>
               <a:t>;</a:t>
             </a:r>
+            <a:endParaRPr lang="pt-PT" sz="2000" b="0" i="0" dirty="0"/>
           </a:p>
           <a:p>
             <a:pPr marL="450850" lvl="1" indent="-271463" algn="l" defTabSz="704085">
